--- a/ppt/share.pptx
+++ b/ppt/share.pptx
@@ -4237,6 +4237,42 @@
           </p:sp>
         </mc:Fallback>
       </mc:AlternateContent>
+      <p:pic>
+        <p:nvPicPr>
+          <p:cNvPr id="6" name="图片 5">
+            <a:extLst>
+              <a:ext uri="{FF2B5EF4-FFF2-40B4-BE49-F238E27FC236}">
+                <a16:creationId xmlns:a16="http://schemas.microsoft.com/office/drawing/2014/main" id="{2D7EAA14-541C-4548-B245-4EEDECB84376}"/>
+              </a:ext>
+            </a:extLst>
+          </p:cNvPr>
+          <p:cNvPicPr>
+            <a:picLocks noChangeAspect="1"/>
+          </p:cNvPicPr>
+          <p:nvPr/>
+        </p:nvPicPr>
+        <p:blipFill>
+          <a:blip r:embed="rId3">
+            <a:extLst>
+              <a:ext uri="{28A0092B-C50C-407E-A947-70E740481C1C}">
+                <a14:useLocalDpi xmlns:a14="http://schemas.microsoft.com/office/drawing/2010/main" val="0"/>
+              </a:ext>
+            </a:extLst>
+          </a:blip>
+          <a:stretch>
+            <a:fillRect/>
+          </a:stretch>
+        </p:blipFill>
+        <p:spPr>
+          <a:xfrm>
+            <a:off x="2835266" y="1441485"/>
+            <a:ext cx="7970704" cy="3042254"/>
+          </a:xfrm>
+          <a:prstGeom prst="rect">
+            <a:avLst/>
+          </a:prstGeom>
+        </p:spPr>
+      </p:pic>
     </p:spTree>
     <p:extLst>
       <p:ext uri="{BB962C8B-B14F-4D97-AF65-F5344CB8AC3E}">

--- a/ppt/share.pptx
+++ b/ppt/share.pptx
@@ -4037,8 +4037,8 @@
           </a:p>
         </p:txBody>
       </p:sp>
-      <mc:AlternateContent xmlns:mc="http://schemas.openxmlformats.org/markup-compatibility/2006">
-        <mc:Choice xmlns:a14="http://schemas.microsoft.com/office/drawing/2010/main" Requires="a14">
+      <mc:AlternateContent xmlns:mc="http://schemas.openxmlformats.org/markup-compatibility/2006" xmlns:a14="http://schemas.microsoft.com/office/drawing/2010/main">
+        <mc:Choice Requires="a14">
           <p:sp>
             <p:nvSpPr>
               <p:cNvPr id="2" name="文本框 1">
@@ -4067,6 +4067,7 @@
               </a:bodyPr>
               <a:lstStyle/>
               <a:p>
+                <a:pPr/>
                 <a14:m>
                   <m:oMathPara xmlns:m="http://schemas.openxmlformats.org/officeDocument/2006/math">
                     <m:oMathParaPr>
@@ -4192,7 +4193,7 @@
             </p:txBody>
           </p:sp>
         </mc:Choice>
-        <mc:Fallback>
+        <mc:Fallback xmlns="">
           <p:sp>
             <p:nvSpPr>
               <p:cNvPr id="2" name="文本框 1">
@@ -4452,7 +4453,7 @@
         <p:spPr>
           <a:xfrm>
             <a:off x="563449" y="3272579"/>
-            <a:ext cx="6052037" cy="923330"/>
+            <a:ext cx="6052037" cy="1200329"/>
           </a:xfrm>
           <a:prstGeom prst="rect">
             <a:avLst/>
@@ -4548,6 +4549,15 @@
                 <a:sym typeface="+mn-lt"/>
               </a:rPr>
               <a:t>)</a:t>
+            </a:r>
+          </a:p>
+          <a:p>
+            <a:r>
+              <a:rPr lang="en-US" altLang="zh-CN" dirty="0">
+                <a:cs typeface="+mn-ea"/>
+                <a:sym typeface="+mn-lt"/>
+              </a:rPr>
+              <a:t>	</a:t>
             </a:r>
           </a:p>
         </p:txBody>
